--- a/color labels.pptx
+++ b/color labels.pptx
@@ -104,6 +104,11 @@
       </a:defRPr>
     </a:lvl9pPr>
   </p:defaultTextStyle>
+  <p:extLst>
+    <p:ext uri="{EFAFB233-063F-42B5-8137-9DF3F51BA10A}">
+      <p15:sldGuideLst xmlns:p15="http://schemas.microsoft.com/office/powerpoint/2012/main"/>
+    </p:ext>
+  </p:extLst>
 </p:presentation>
 </file>
 
@@ -256,7 +261,7 @@
           <a:p>
             <a:fld id="{D3586435-99F7-47DB-ACF2-B64C8F2484E4}" type="datetimeFigureOut">
               <a:rPr lang="en-US" smtClean="0"/>
-              <a:t>12/14/2018</a:t>
+              <a:t>12/26/2018</a:t>
             </a:fld>
             <a:endParaRPr lang="en-US"/>
           </a:p>
@@ -456,7 +461,7 @@
           <a:p>
             <a:fld id="{D3586435-99F7-47DB-ACF2-B64C8F2484E4}" type="datetimeFigureOut">
               <a:rPr lang="en-US" smtClean="0"/>
-              <a:t>12/14/2018</a:t>
+              <a:t>12/26/2018</a:t>
             </a:fld>
             <a:endParaRPr lang="en-US"/>
           </a:p>
@@ -666,7 +671,7 @@
           <a:p>
             <a:fld id="{D3586435-99F7-47DB-ACF2-B64C8F2484E4}" type="datetimeFigureOut">
               <a:rPr lang="en-US" smtClean="0"/>
-              <a:t>12/14/2018</a:t>
+              <a:t>12/26/2018</a:t>
             </a:fld>
             <a:endParaRPr lang="en-US"/>
           </a:p>
@@ -866,7 +871,7 @@
           <a:p>
             <a:fld id="{D3586435-99F7-47DB-ACF2-B64C8F2484E4}" type="datetimeFigureOut">
               <a:rPr lang="en-US" smtClean="0"/>
-              <a:t>12/14/2018</a:t>
+              <a:t>12/26/2018</a:t>
             </a:fld>
             <a:endParaRPr lang="en-US"/>
           </a:p>
@@ -1142,7 +1147,7 @@
           <a:p>
             <a:fld id="{D3586435-99F7-47DB-ACF2-B64C8F2484E4}" type="datetimeFigureOut">
               <a:rPr lang="en-US" smtClean="0"/>
-              <a:t>12/14/2018</a:t>
+              <a:t>12/26/2018</a:t>
             </a:fld>
             <a:endParaRPr lang="en-US"/>
           </a:p>
@@ -1410,7 +1415,7 @@
           <a:p>
             <a:fld id="{D3586435-99F7-47DB-ACF2-B64C8F2484E4}" type="datetimeFigureOut">
               <a:rPr lang="en-US" smtClean="0"/>
-              <a:t>12/14/2018</a:t>
+              <a:t>12/26/2018</a:t>
             </a:fld>
             <a:endParaRPr lang="en-US"/>
           </a:p>
@@ -1825,7 +1830,7 @@
           <a:p>
             <a:fld id="{D3586435-99F7-47DB-ACF2-B64C8F2484E4}" type="datetimeFigureOut">
               <a:rPr lang="en-US" smtClean="0"/>
-              <a:t>12/14/2018</a:t>
+              <a:t>12/26/2018</a:t>
             </a:fld>
             <a:endParaRPr lang="en-US"/>
           </a:p>
@@ -1967,7 +1972,7 @@
           <a:p>
             <a:fld id="{D3586435-99F7-47DB-ACF2-B64C8F2484E4}" type="datetimeFigureOut">
               <a:rPr lang="en-US" smtClean="0"/>
-              <a:t>12/14/2018</a:t>
+              <a:t>12/26/2018</a:t>
             </a:fld>
             <a:endParaRPr lang="en-US"/>
           </a:p>
@@ -2080,7 +2085,7 @@
           <a:p>
             <a:fld id="{D3586435-99F7-47DB-ACF2-B64C8F2484E4}" type="datetimeFigureOut">
               <a:rPr lang="en-US" smtClean="0"/>
-              <a:t>12/14/2018</a:t>
+              <a:t>12/26/2018</a:t>
             </a:fld>
             <a:endParaRPr lang="en-US"/>
           </a:p>
@@ -2393,7 +2398,7 @@
           <a:p>
             <a:fld id="{D3586435-99F7-47DB-ACF2-B64C8F2484E4}" type="datetimeFigureOut">
               <a:rPr lang="en-US" smtClean="0"/>
-              <a:t>12/14/2018</a:t>
+              <a:t>12/26/2018</a:t>
             </a:fld>
             <a:endParaRPr lang="en-US"/>
           </a:p>
@@ -2682,7 +2687,7 @@
           <a:p>
             <a:fld id="{D3586435-99F7-47DB-ACF2-B64C8F2484E4}" type="datetimeFigureOut">
               <a:rPr lang="en-US" smtClean="0"/>
-              <a:t>12/14/2018</a:t>
+              <a:t>12/26/2018</a:t>
             </a:fld>
             <a:endParaRPr lang="en-US"/>
           </a:p>
@@ -2925,7 +2930,7 @@
           <a:p>
             <a:fld id="{D3586435-99F7-47DB-ACF2-B64C8F2484E4}" type="datetimeFigureOut">
               <a:rPr lang="en-US" smtClean="0"/>
-              <a:t>12/14/2018</a:t>
+              <a:t>12/26/2018</a:t>
             </a:fld>
             <a:endParaRPr lang="en-US"/>
           </a:p>
@@ -3356,7 +3361,7 @@
         </p:nvSpPr>
         <p:spPr>
           <a:xfrm>
-            <a:off x="1895912" y="1392572"/>
+            <a:off x="335560" y="1417739"/>
             <a:ext cx="5486400" cy="3657600"/>
           </a:xfrm>
           <a:prstGeom prst="rect">
@@ -3410,7 +3415,7 @@
         </p:nvSpPr>
         <p:spPr>
           <a:xfrm>
-            <a:off x="2243127" y="1857165"/>
+            <a:off x="682775" y="1882332"/>
             <a:ext cx="182880" cy="182880"/>
           </a:xfrm>
           <a:prstGeom prst="ellipse">
@@ -3462,7 +3467,7 @@
         </p:nvSpPr>
         <p:spPr>
           <a:xfrm>
-            <a:off x="2254315" y="2171490"/>
+            <a:off x="693963" y="2196657"/>
             <a:ext cx="182880" cy="182880"/>
           </a:xfrm>
           <a:prstGeom prst="ellipse">
@@ -3514,7 +3519,7 @@
         </p:nvSpPr>
         <p:spPr>
           <a:xfrm>
-            <a:off x="2248250" y="2485815"/>
+            <a:off x="687898" y="2510982"/>
             <a:ext cx="182880" cy="182880"/>
           </a:xfrm>
           <a:prstGeom prst="ellipse">
@@ -3566,7 +3571,7 @@
         </p:nvSpPr>
         <p:spPr>
           <a:xfrm>
-            <a:off x="2246049" y="2800140"/>
+            <a:off x="685697" y="2825307"/>
             <a:ext cx="182880" cy="182880"/>
           </a:xfrm>
           <a:prstGeom prst="ellipse">
@@ -3618,7 +3623,7 @@
         </p:nvSpPr>
         <p:spPr>
           <a:xfrm>
-            <a:off x="2246049" y="3112665"/>
+            <a:off x="685697" y="3137832"/>
             <a:ext cx="182880" cy="182880"/>
           </a:xfrm>
           <a:prstGeom prst="ellipse">
@@ -3670,7 +3675,7 @@
         </p:nvSpPr>
         <p:spPr>
           <a:xfrm>
-            <a:off x="2245490" y="3425190"/>
+            <a:off x="685138" y="3450357"/>
             <a:ext cx="182880" cy="182880"/>
           </a:xfrm>
           <a:prstGeom prst="ellipse">
@@ -3722,7 +3727,7 @@
         </p:nvSpPr>
         <p:spPr>
           <a:xfrm>
-            <a:off x="2243127" y="3731369"/>
+            <a:off x="682775" y="3756536"/>
             <a:ext cx="182880" cy="182880"/>
           </a:xfrm>
           <a:prstGeom prst="ellipse">
@@ -3774,7 +3779,7 @@
         </p:nvSpPr>
         <p:spPr>
           <a:xfrm>
-            <a:off x="2243127" y="4037548"/>
+            <a:off x="682775" y="4062715"/>
             <a:ext cx="182880" cy="182880"/>
           </a:xfrm>
           <a:prstGeom prst="ellipse">
@@ -3826,7 +3831,7 @@
         </p:nvSpPr>
         <p:spPr>
           <a:xfrm>
-            <a:off x="2239784" y="4346333"/>
+            <a:off x="679432" y="4371500"/>
             <a:ext cx="182880" cy="182880"/>
           </a:xfrm>
           <a:prstGeom prst="ellipse">
@@ -3878,7 +3883,7 @@
         </p:nvSpPr>
         <p:spPr>
           <a:xfrm>
-            <a:off x="4869530" y="1857165"/>
+            <a:off x="3309178" y="1882332"/>
             <a:ext cx="182880" cy="182880"/>
           </a:xfrm>
           <a:prstGeom prst="ellipse">
@@ -3930,7 +3935,7 @@
         </p:nvSpPr>
         <p:spPr>
           <a:xfrm>
-            <a:off x="4869530" y="2171490"/>
+            <a:off x="3309178" y="2196657"/>
             <a:ext cx="182880" cy="182880"/>
           </a:xfrm>
           <a:prstGeom prst="ellipse">
@@ -3982,7 +3987,7 @@
         </p:nvSpPr>
         <p:spPr>
           <a:xfrm>
-            <a:off x="4869530" y="2485815"/>
+            <a:off x="3309178" y="2510982"/>
             <a:ext cx="182880" cy="182880"/>
           </a:xfrm>
           <a:prstGeom prst="ellipse">
@@ -4034,7 +4039,7 @@
         </p:nvSpPr>
         <p:spPr>
           <a:xfrm>
-            <a:off x="4869530" y="2800140"/>
+            <a:off x="3309178" y="2825307"/>
             <a:ext cx="182880" cy="182880"/>
           </a:xfrm>
           <a:prstGeom prst="ellipse">
@@ -4086,7 +4091,7 @@
         </p:nvSpPr>
         <p:spPr>
           <a:xfrm>
-            <a:off x="4871150" y="3112665"/>
+            <a:off x="3310798" y="3137832"/>
             <a:ext cx="182880" cy="182880"/>
           </a:xfrm>
           <a:prstGeom prst="ellipse">
@@ -4138,7 +4143,7 @@
         </p:nvSpPr>
         <p:spPr>
           <a:xfrm>
-            <a:off x="4869530" y="3423058"/>
+            <a:off x="3309178" y="3448225"/>
             <a:ext cx="182880" cy="182880"/>
           </a:xfrm>
           <a:prstGeom prst="ellipse">
@@ -4190,7 +4195,7 @@
         </p:nvSpPr>
         <p:spPr>
           <a:xfrm>
-            <a:off x="4869530" y="3735074"/>
+            <a:off x="3309178" y="3760241"/>
             <a:ext cx="182880" cy="182880"/>
           </a:xfrm>
           <a:prstGeom prst="ellipse">
@@ -4242,7 +4247,7 @@
         </p:nvSpPr>
         <p:spPr>
           <a:xfrm>
-            <a:off x="4869530" y="4037548"/>
+            <a:off x="3309178" y="4062715"/>
             <a:ext cx="182880" cy="182880"/>
           </a:xfrm>
           <a:prstGeom prst="ellipse">
@@ -4294,7 +4299,7 @@
         </p:nvSpPr>
         <p:spPr>
           <a:xfrm>
-            <a:off x="2552700" y="1752600"/>
+            <a:off x="992348" y="1777767"/>
             <a:ext cx="1968500" cy="2832763"/>
           </a:xfrm>
           <a:prstGeom prst="rect">
@@ -4422,7 +4427,7 @@
         </p:nvSpPr>
         <p:spPr>
           <a:xfrm>
-            <a:off x="5177988" y="1752600"/>
+            <a:off x="3617636" y="1777767"/>
             <a:ext cx="1968500" cy="2560253"/>
           </a:xfrm>
           <a:prstGeom prst="rect">
@@ -4521,6 +4526,404 @@
             <a:r>
               <a:rPr lang="en-US" sz="1400" dirty="0"/>
               <a:t>Put on shorts</a:t>
+            </a:r>
+          </a:p>
+        </p:txBody>
+      </p:sp>
+      <p:sp>
+        <p:nvSpPr>
+          <p:cNvPr id="24" name="สี่เหลี่ยมผืนผ้า 23">
+            <a:extLst>
+              <a:ext uri="{FF2B5EF4-FFF2-40B4-BE49-F238E27FC236}">
+                <a16:creationId xmlns:a16="http://schemas.microsoft.com/office/drawing/2014/main" id="{14299CA8-DC65-4D52-99AC-CB9D181E0CBB}"/>
+              </a:ext>
+            </a:extLst>
+          </p:cNvPr>
+          <p:cNvSpPr/>
+          <p:nvPr/>
+        </p:nvSpPr>
+        <p:spPr>
+          <a:xfrm>
+            <a:off x="6370042" y="1417739"/>
+            <a:ext cx="2625288" cy="2095920"/>
+          </a:xfrm>
+          <a:prstGeom prst="rect">
+            <a:avLst/>
+          </a:prstGeom>
+          <a:solidFill>
+            <a:schemeClr val="bg1"/>
+          </a:solidFill>
+          <a:ln>
+            <a:solidFill>
+              <a:schemeClr val="tx1"/>
+            </a:solidFill>
+          </a:ln>
+        </p:spPr>
+        <p:style>
+          <a:lnRef idx="2">
+            <a:schemeClr val="accent1">
+              <a:shade val="50000"/>
+            </a:schemeClr>
+          </a:lnRef>
+          <a:fillRef idx="1">
+            <a:schemeClr val="accent1"/>
+          </a:fillRef>
+          <a:effectRef idx="0">
+            <a:schemeClr val="accent1"/>
+          </a:effectRef>
+          <a:fontRef idx="minor">
+            <a:schemeClr val="lt1"/>
+          </a:fontRef>
+        </p:style>
+        <p:txBody>
+          <a:bodyPr rtlCol="0" anchor="ctr"/>
+          <a:lstStyle/>
+          <a:p>
+            <a:pPr algn="ctr"/>
+            <a:endParaRPr lang="en-US"/>
+          </a:p>
+        </p:txBody>
+      </p:sp>
+      <p:sp>
+        <p:nvSpPr>
+          <p:cNvPr id="25" name="วงรี 24">
+            <a:extLst>
+              <a:ext uri="{FF2B5EF4-FFF2-40B4-BE49-F238E27FC236}">
+                <a16:creationId xmlns:a16="http://schemas.microsoft.com/office/drawing/2014/main" id="{3DD06953-16EC-4DB8-AF1C-CA1EEA68D368}"/>
+              </a:ext>
+            </a:extLst>
+          </p:cNvPr>
+          <p:cNvSpPr/>
+          <p:nvPr/>
+        </p:nvSpPr>
+        <p:spPr>
+          <a:xfrm>
+            <a:off x="6717257" y="1764886"/>
+            <a:ext cx="182880" cy="182880"/>
+          </a:xfrm>
+          <a:prstGeom prst="ellipse">
+            <a:avLst/>
+          </a:prstGeom>
+          <a:solidFill>
+            <a:srgbClr val="808080"/>
+          </a:solidFill>
+          <a:ln>
+            <a:noFill/>
+          </a:ln>
+        </p:spPr>
+        <p:style>
+          <a:lnRef idx="2">
+            <a:schemeClr val="accent1">
+              <a:shade val="50000"/>
+            </a:schemeClr>
+          </a:lnRef>
+          <a:fillRef idx="1">
+            <a:schemeClr val="accent1"/>
+          </a:fillRef>
+          <a:effectRef idx="0">
+            <a:schemeClr val="accent1"/>
+          </a:effectRef>
+          <a:fontRef idx="minor">
+            <a:schemeClr val="lt1"/>
+          </a:fontRef>
+        </p:style>
+        <p:txBody>
+          <a:bodyPr rtlCol="0" anchor="ctr"/>
+          <a:lstStyle/>
+          <a:p>
+            <a:pPr algn="ctr"/>
+            <a:endParaRPr lang="en-US"/>
+          </a:p>
+        </p:txBody>
+      </p:sp>
+      <p:sp>
+        <p:nvSpPr>
+          <p:cNvPr id="33" name="วงรี 32">
+            <a:extLst>
+              <a:ext uri="{FF2B5EF4-FFF2-40B4-BE49-F238E27FC236}">
+                <a16:creationId xmlns:a16="http://schemas.microsoft.com/office/drawing/2014/main" id="{FE45829F-A47D-4520-BBB3-3292D9BDC9FB}"/>
+              </a:ext>
+            </a:extLst>
+          </p:cNvPr>
+          <p:cNvSpPr/>
+          <p:nvPr/>
+        </p:nvSpPr>
+        <p:spPr>
+          <a:xfrm>
+            <a:off x="6713914" y="2079211"/>
+            <a:ext cx="182880" cy="182880"/>
+          </a:xfrm>
+          <a:prstGeom prst="ellipse">
+            <a:avLst/>
+          </a:prstGeom>
+          <a:solidFill>
+            <a:srgbClr val="E6194B"/>
+          </a:solidFill>
+          <a:ln>
+            <a:noFill/>
+          </a:ln>
+        </p:spPr>
+        <p:style>
+          <a:lnRef idx="2">
+            <a:schemeClr val="accent1">
+              <a:shade val="50000"/>
+            </a:schemeClr>
+          </a:lnRef>
+          <a:fillRef idx="1">
+            <a:schemeClr val="accent1"/>
+          </a:fillRef>
+          <a:effectRef idx="0">
+            <a:schemeClr val="accent1"/>
+          </a:effectRef>
+          <a:fontRef idx="minor">
+            <a:schemeClr val="lt1"/>
+          </a:fontRef>
+        </p:style>
+        <p:txBody>
+          <a:bodyPr rtlCol="0" anchor="ctr"/>
+          <a:lstStyle/>
+          <a:p>
+            <a:pPr algn="ctr"/>
+            <a:endParaRPr lang="en-US"/>
+          </a:p>
+        </p:txBody>
+      </p:sp>
+      <p:sp>
+        <p:nvSpPr>
+          <p:cNvPr id="35" name="วงรี 34">
+            <a:extLst>
+              <a:ext uri="{FF2B5EF4-FFF2-40B4-BE49-F238E27FC236}">
+                <a16:creationId xmlns:a16="http://schemas.microsoft.com/office/drawing/2014/main" id="{4A2E5EDF-6678-4775-900B-B6A13E4A2096}"/>
+              </a:ext>
+            </a:extLst>
+          </p:cNvPr>
+          <p:cNvSpPr/>
+          <p:nvPr/>
+        </p:nvSpPr>
+        <p:spPr>
+          <a:xfrm>
+            <a:off x="6713914" y="2393536"/>
+            <a:ext cx="182880" cy="182880"/>
+          </a:xfrm>
+          <a:prstGeom prst="ellipse">
+            <a:avLst/>
+          </a:prstGeom>
+          <a:solidFill>
+            <a:srgbClr val="FFE119"/>
+          </a:solidFill>
+          <a:ln>
+            <a:noFill/>
+          </a:ln>
+        </p:spPr>
+        <p:style>
+          <a:lnRef idx="2">
+            <a:schemeClr val="accent1">
+              <a:shade val="50000"/>
+            </a:schemeClr>
+          </a:lnRef>
+          <a:fillRef idx="1">
+            <a:schemeClr val="accent1"/>
+          </a:fillRef>
+          <a:effectRef idx="0">
+            <a:schemeClr val="accent1"/>
+          </a:effectRef>
+          <a:fontRef idx="minor">
+            <a:schemeClr val="lt1"/>
+          </a:fontRef>
+        </p:style>
+        <p:txBody>
+          <a:bodyPr rtlCol="0" anchor="ctr"/>
+          <a:lstStyle/>
+          <a:p>
+            <a:pPr algn="ctr"/>
+            <a:endParaRPr lang="en-US"/>
+          </a:p>
+        </p:txBody>
+      </p:sp>
+      <p:sp>
+        <p:nvSpPr>
+          <p:cNvPr id="37" name="วงรี 36">
+            <a:extLst>
+              <a:ext uri="{FF2B5EF4-FFF2-40B4-BE49-F238E27FC236}">
+                <a16:creationId xmlns:a16="http://schemas.microsoft.com/office/drawing/2014/main" id="{286C6E58-9EF6-4102-BE10-E166ED4BD6AF}"/>
+              </a:ext>
+            </a:extLst>
+          </p:cNvPr>
+          <p:cNvSpPr/>
+          <p:nvPr/>
+        </p:nvSpPr>
+        <p:spPr>
+          <a:xfrm>
+            <a:off x="6708114" y="2707861"/>
+            <a:ext cx="182880" cy="182880"/>
+          </a:xfrm>
+          <a:prstGeom prst="ellipse">
+            <a:avLst/>
+          </a:prstGeom>
+          <a:solidFill>
+            <a:srgbClr val="3CB44B"/>
+          </a:solidFill>
+          <a:ln>
+            <a:noFill/>
+          </a:ln>
+        </p:spPr>
+        <p:style>
+          <a:lnRef idx="2">
+            <a:schemeClr val="accent1">
+              <a:shade val="50000"/>
+            </a:schemeClr>
+          </a:lnRef>
+          <a:fillRef idx="1">
+            <a:schemeClr val="accent1"/>
+          </a:fillRef>
+          <a:effectRef idx="0">
+            <a:schemeClr val="accent1"/>
+          </a:effectRef>
+          <a:fontRef idx="minor">
+            <a:schemeClr val="lt1"/>
+          </a:fontRef>
+        </p:style>
+        <p:txBody>
+          <a:bodyPr rtlCol="0" anchor="ctr"/>
+          <a:lstStyle/>
+          <a:p>
+            <a:pPr algn="ctr"/>
+            <a:endParaRPr lang="en-US"/>
+          </a:p>
+        </p:txBody>
+      </p:sp>
+      <p:sp>
+        <p:nvSpPr>
+          <p:cNvPr id="39" name="วงรี 38">
+            <a:extLst>
+              <a:ext uri="{FF2B5EF4-FFF2-40B4-BE49-F238E27FC236}">
+                <a16:creationId xmlns:a16="http://schemas.microsoft.com/office/drawing/2014/main" id="{42E4CBDA-38CB-4FB2-8DF4-21E574DBB03D}"/>
+              </a:ext>
+            </a:extLst>
+          </p:cNvPr>
+          <p:cNvSpPr/>
+          <p:nvPr/>
+        </p:nvSpPr>
+        <p:spPr>
+          <a:xfrm>
+            <a:off x="6717257" y="3020386"/>
+            <a:ext cx="182880" cy="182880"/>
+          </a:xfrm>
+          <a:prstGeom prst="ellipse">
+            <a:avLst/>
+          </a:prstGeom>
+          <a:solidFill>
+            <a:srgbClr val="0082C8"/>
+          </a:solidFill>
+          <a:ln>
+            <a:noFill/>
+          </a:ln>
+        </p:spPr>
+        <p:style>
+          <a:lnRef idx="2">
+            <a:schemeClr val="accent1">
+              <a:shade val="50000"/>
+            </a:schemeClr>
+          </a:lnRef>
+          <a:fillRef idx="1">
+            <a:schemeClr val="accent1"/>
+          </a:fillRef>
+          <a:effectRef idx="0">
+            <a:schemeClr val="accent1"/>
+          </a:effectRef>
+          <a:fontRef idx="minor">
+            <a:schemeClr val="lt1"/>
+          </a:fontRef>
+        </p:style>
+        <p:txBody>
+          <a:bodyPr rtlCol="0" anchor="ctr"/>
+          <a:lstStyle/>
+          <a:p>
+            <a:pPr algn="ctr"/>
+            <a:endParaRPr lang="en-US"/>
+          </a:p>
+        </p:txBody>
+      </p:sp>
+      <p:sp>
+        <p:nvSpPr>
+          <p:cNvPr id="44" name="กล่องข้อความ 43">
+            <a:extLst>
+              <a:ext uri="{FF2B5EF4-FFF2-40B4-BE49-F238E27FC236}">
+                <a16:creationId xmlns:a16="http://schemas.microsoft.com/office/drawing/2014/main" id="{26AEF939-4FF8-4639-93CA-D4804BA0AE9E}"/>
+              </a:ext>
+            </a:extLst>
+          </p:cNvPr>
+          <p:cNvSpPr txBox="1"/>
+          <p:nvPr/>
+        </p:nvSpPr>
+        <p:spPr>
+          <a:xfrm>
+            <a:off x="7026830" y="1660321"/>
+            <a:ext cx="1462829" cy="1614481"/>
+          </a:xfrm>
+          <a:prstGeom prst="rect">
+            <a:avLst/>
+          </a:prstGeom>
+          <a:noFill/>
+        </p:spPr>
+        <p:txBody>
+          <a:bodyPr wrap="square" rtlCol="0">
+            <a:spAutoFit/>
+          </a:bodyPr>
+          <a:lstStyle/>
+          <a:p>
+            <a:pPr>
+              <a:lnSpc>
+                <a:spcPts val="2440"/>
+              </a:lnSpc>
+            </a:pPr>
+            <a:r>
+              <a:rPr lang="en-US" sz="1400" dirty="0"/>
+              <a:t>N/A</a:t>
+            </a:r>
+          </a:p>
+          <a:p>
+            <a:pPr>
+              <a:lnSpc>
+                <a:spcPts val="2440"/>
+              </a:lnSpc>
+            </a:pPr>
+            <a:r>
+              <a:rPr lang="en-US" sz="1400" dirty="0"/>
+              <a:t>Stand</a:t>
+            </a:r>
+          </a:p>
+          <a:p>
+            <a:pPr>
+              <a:lnSpc>
+                <a:spcPts val="2440"/>
+              </a:lnSpc>
+            </a:pPr>
+            <a:r>
+              <a:rPr lang="en-US" sz="1400" dirty="0"/>
+              <a:t>Lay down</a:t>
+            </a:r>
+          </a:p>
+          <a:p>
+            <a:pPr>
+              <a:lnSpc>
+                <a:spcPts val="2500"/>
+              </a:lnSpc>
+            </a:pPr>
+            <a:r>
+              <a:rPr lang="en-US" sz="1400" dirty="0"/>
+              <a:t>Sit</a:t>
+            </a:r>
+          </a:p>
+          <a:p>
+            <a:pPr>
+              <a:lnSpc>
+                <a:spcPts val="2440"/>
+              </a:lnSpc>
+            </a:pPr>
+            <a:r>
+              <a:rPr lang="en-US" sz="1400" dirty="0"/>
+              <a:t>Walk</a:t>
             </a:r>
           </a:p>
         </p:txBody>
